--- a/docs/2018-06-08-codereview.pptx
+++ b/docs/2018-06-08-codereview.pptx
@@ -5,7 +5,7 @@
     <p:sldMasterId id="2147483780" r:id="rId1"/>
   </p:sldMasterIdLst>
   <p:notesMasterIdLst>
-    <p:notesMasterId r:id="rId9"/>
+    <p:notesMasterId r:id="rId10"/>
   </p:notesMasterIdLst>
   <p:sldIdLst>
     <p:sldId id="256" r:id="rId2"/>
@@ -15,6 +15,7 @@
     <p:sldId id="260" r:id="rId6"/>
     <p:sldId id="261" r:id="rId7"/>
     <p:sldId id="262" r:id="rId8"/>
+    <p:sldId id="263" r:id="rId9"/>
   </p:sldIdLst>
   <p:sldSz cx="9144000" cy="6858000" type="screen4x3"/>
   <p:notesSz cx="6858000" cy="9144000"/>
@@ -941,6 +942,90 @@
     <p:extLst>
       <p:ext uri="{BB962C8B-B14F-4D97-AF65-F5344CB8AC3E}">
         <p14:creationId xmlns:p14="http://schemas.microsoft.com/office/powerpoint/2010/main" val="3297529762"/>
+      </p:ext>
+    </p:extLst>
+  </p:cSld>
+  <p:clrMapOvr>
+    <a:masterClrMapping/>
+  </p:clrMapOvr>
+</p:notes>
+</file>
+
+<file path=ppt/notesSlides/notesSlide6.xml><?xml version="1.0" encoding="utf-8"?>
+<p:notes xmlns:a="http://schemas.openxmlformats.org/drawingml/2006/main" xmlns:r="http://schemas.openxmlformats.org/officeDocument/2006/relationships" xmlns:p="http://schemas.openxmlformats.org/presentationml/2006/main">
+  <p:cSld>
+    <p:spTree>
+      <p:nvGrpSpPr>
+        <p:cNvPr id="1" name=""/>
+        <p:cNvGrpSpPr/>
+        <p:nvPr/>
+      </p:nvGrpSpPr>
+      <p:grpSpPr>
+        <a:xfrm>
+          <a:off x="0" y="0"/>
+          <a:ext cx="0" cy="0"/>
+          <a:chOff x="0" y="0"/>
+          <a:chExt cx="0" cy="0"/>
+        </a:xfrm>
+      </p:grpSpPr>
+      <p:sp>
+        <p:nvSpPr>
+          <p:cNvPr id="2" name="幻灯片图像占位符 1"/>
+          <p:cNvSpPr>
+            <a:spLocks noGrp="1" noRot="1" noChangeAspect="1"/>
+          </p:cNvSpPr>
+          <p:nvPr>
+            <p:ph type="sldImg"/>
+          </p:nvPr>
+        </p:nvSpPr>
+        <p:spPr/>
+      </p:sp>
+      <p:sp>
+        <p:nvSpPr>
+          <p:cNvPr id="3" name="备注占位符 2"/>
+          <p:cNvSpPr>
+            <a:spLocks noGrp="1"/>
+          </p:cNvSpPr>
+          <p:nvPr>
+            <p:ph type="body" idx="1"/>
+          </p:nvPr>
+        </p:nvSpPr>
+        <p:spPr/>
+        <p:txBody>
+          <a:bodyPr/>
+          <a:lstStyle/>
+          <a:p>
+            <a:endParaRPr lang="zh-CN" altLang="en-US" dirty="0"/>
+          </a:p>
+        </p:txBody>
+      </p:sp>
+      <p:sp>
+        <p:nvSpPr>
+          <p:cNvPr id="4" name="灯片编号占位符 3"/>
+          <p:cNvSpPr>
+            <a:spLocks noGrp="1"/>
+          </p:cNvSpPr>
+          <p:nvPr>
+            <p:ph type="sldNum" sz="quarter" idx="10"/>
+          </p:nvPr>
+        </p:nvSpPr>
+        <p:spPr/>
+        <p:txBody>
+          <a:bodyPr/>
+          <a:lstStyle/>
+          <a:p>
+            <a:fld id="{6A1D099C-55BA-4170-ADED-6E3027DC3FF7}" type="slidenum">
+              <a:rPr lang="zh-CN" altLang="en-US" smtClean="0"/>
+              <a:t>8</a:t>
+            </a:fld>
+            <a:endParaRPr lang="zh-CN" altLang="en-US"/>
+          </a:p>
+        </p:txBody>
+      </p:sp>
+    </p:spTree>
+    <p:extLst>
+      <p:ext uri="{BB962C8B-B14F-4D97-AF65-F5344CB8AC3E}">
+        <p14:creationId xmlns:p14="http://schemas.microsoft.com/office/powerpoint/2010/main" val="3037381094"/>
       </p:ext>
     </p:extLst>
   </p:cSld>
@@ -6915,6 +7000,409 @@
       </p:par>
     </p:tnLst>
   </p:timing>
+</p:sld>
+</file>
+
+<file path=ppt/slides/slide8.xml><?xml version="1.0" encoding="utf-8"?>
+<p:sld xmlns:a="http://schemas.openxmlformats.org/drawingml/2006/main" xmlns:r="http://schemas.openxmlformats.org/officeDocument/2006/relationships" xmlns:p="http://schemas.openxmlformats.org/presentationml/2006/main">
+  <p:cSld>
+    <p:spTree>
+      <p:nvGrpSpPr>
+        <p:cNvPr id="1" name=""/>
+        <p:cNvGrpSpPr/>
+        <p:nvPr/>
+      </p:nvGrpSpPr>
+      <p:grpSpPr>
+        <a:xfrm>
+          <a:off x="0" y="0"/>
+          <a:ext cx="0" cy="0"/>
+          <a:chOff x="0" y="0"/>
+          <a:chExt cx="0" cy="0"/>
+        </a:xfrm>
+      </p:grpSpPr>
+      <p:sp>
+        <p:nvSpPr>
+          <p:cNvPr id="4" name="圆角矩形 3"/>
+          <p:cNvSpPr/>
+          <p:nvPr/>
+        </p:nvSpPr>
+        <p:spPr>
+          <a:xfrm>
+            <a:off x="1187624" y="621988"/>
+            <a:ext cx="1872208" cy="914400"/>
+          </a:xfrm>
+          <a:prstGeom prst="roundRect">
+            <a:avLst/>
+          </a:prstGeom>
+        </p:spPr>
+        <p:style>
+          <a:lnRef idx="2">
+            <a:schemeClr val="accent1">
+              <a:shade val="50000"/>
+            </a:schemeClr>
+          </a:lnRef>
+          <a:fillRef idx="1">
+            <a:schemeClr val="accent1"/>
+          </a:fillRef>
+          <a:effectRef idx="0">
+            <a:schemeClr val="accent1"/>
+          </a:effectRef>
+          <a:fontRef idx="minor">
+            <a:schemeClr val="lt1"/>
+          </a:fontRef>
+        </p:style>
+        <p:txBody>
+          <a:bodyPr rtlCol="0" anchor="ctr"/>
+          <a:lstStyle/>
+          <a:p>
+            <a:pPr algn="ctr"/>
+            <a:r>
+              <a:rPr lang="zh-CN" altLang="en-US" sz="2400" dirty="0" smtClean="0">
+                <a:solidFill>
+                  <a:schemeClr val="tx1">
+                    <a:lumMod val="95000"/>
+                    <a:lumOff val="5000"/>
+                  </a:schemeClr>
+                </a:solidFill>
+              </a:rPr>
+              <a:t>发现问题</a:t>
+            </a:r>
+            <a:endParaRPr lang="zh-CN" altLang="en-US" sz="2400" dirty="0">
+              <a:solidFill>
+                <a:schemeClr val="tx1">
+                  <a:lumMod val="95000"/>
+                  <a:lumOff val="5000"/>
+                </a:schemeClr>
+              </a:solidFill>
+            </a:endParaRPr>
+          </a:p>
+        </p:txBody>
+      </p:sp>
+      <p:sp>
+        <p:nvSpPr>
+          <p:cNvPr id="5" name="圆角矩形 4"/>
+          <p:cNvSpPr/>
+          <p:nvPr/>
+        </p:nvSpPr>
+        <p:spPr>
+          <a:xfrm>
+            <a:off x="4932040" y="575132"/>
+            <a:ext cx="2016224" cy="1008112"/>
+          </a:xfrm>
+          <a:prstGeom prst="roundRect">
+            <a:avLst/>
+          </a:prstGeom>
+        </p:spPr>
+        <p:style>
+          <a:lnRef idx="2">
+            <a:schemeClr val="accent2">
+              <a:shade val="50000"/>
+            </a:schemeClr>
+          </a:lnRef>
+          <a:fillRef idx="1">
+            <a:schemeClr val="accent2"/>
+          </a:fillRef>
+          <a:effectRef idx="0">
+            <a:schemeClr val="accent2"/>
+          </a:effectRef>
+          <a:fontRef idx="minor">
+            <a:schemeClr val="lt1"/>
+          </a:fontRef>
+        </p:style>
+        <p:txBody>
+          <a:bodyPr rtlCol="0" anchor="ctr"/>
+          <a:lstStyle/>
+          <a:p>
+            <a:pPr algn="ctr"/>
+            <a:r>
+              <a:rPr lang="zh-CN" altLang="en-US" sz="2800" b="1" dirty="0" smtClean="0">
+                <a:solidFill>
+                  <a:schemeClr val="tx1">
+                    <a:lumMod val="95000"/>
+                    <a:lumOff val="5000"/>
+                  </a:schemeClr>
+                </a:solidFill>
+              </a:rPr>
+              <a:t>提出解决方案</a:t>
+            </a:r>
+            <a:endParaRPr lang="zh-CN" altLang="en-US" b="1" dirty="0">
+              <a:solidFill>
+                <a:schemeClr val="tx1">
+                  <a:lumMod val="95000"/>
+                  <a:lumOff val="5000"/>
+                </a:schemeClr>
+              </a:solidFill>
+            </a:endParaRPr>
+          </a:p>
+        </p:txBody>
+      </p:sp>
+      <p:sp>
+        <p:nvSpPr>
+          <p:cNvPr id="6" name="圆角矩形 5"/>
+          <p:cNvSpPr/>
+          <p:nvPr/>
+        </p:nvSpPr>
+        <p:spPr>
+          <a:xfrm>
+            <a:off x="5292080" y="4070410"/>
+            <a:ext cx="1656184" cy="914400"/>
+          </a:xfrm>
+          <a:prstGeom prst="roundRect">
+            <a:avLst/>
+          </a:prstGeom>
+        </p:spPr>
+        <p:style>
+          <a:lnRef idx="2">
+            <a:schemeClr val="accent5">
+              <a:shade val="50000"/>
+            </a:schemeClr>
+          </a:lnRef>
+          <a:fillRef idx="1">
+            <a:schemeClr val="accent5"/>
+          </a:fillRef>
+          <a:effectRef idx="0">
+            <a:schemeClr val="accent5"/>
+          </a:effectRef>
+          <a:fontRef idx="minor">
+            <a:schemeClr val="lt1"/>
+          </a:fontRef>
+        </p:style>
+        <p:txBody>
+          <a:bodyPr rtlCol="0" anchor="ctr"/>
+          <a:lstStyle/>
+          <a:p>
+            <a:pPr algn="ctr"/>
+            <a:r>
+              <a:rPr lang="zh-CN" altLang="en-US" sz="2400" b="1" dirty="0" smtClean="0">
+                <a:solidFill>
+                  <a:schemeClr val="tx1">
+                    <a:lumMod val="95000"/>
+                    <a:lumOff val="5000"/>
+                  </a:schemeClr>
+                </a:solidFill>
+              </a:rPr>
+              <a:t>解决问题</a:t>
+            </a:r>
+            <a:endParaRPr lang="zh-CN" altLang="en-US" sz="2400" b="1" dirty="0">
+              <a:solidFill>
+                <a:schemeClr val="tx1">
+                  <a:lumMod val="95000"/>
+                  <a:lumOff val="5000"/>
+                </a:schemeClr>
+              </a:solidFill>
+            </a:endParaRPr>
+          </a:p>
+        </p:txBody>
+      </p:sp>
+      <p:sp>
+        <p:nvSpPr>
+          <p:cNvPr id="7" name="圆角矩形 6"/>
+          <p:cNvSpPr/>
+          <p:nvPr/>
+        </p:nvSpPr>
+        <p:spPr>
+          <a:xfrm>
+            <a:off x="1403648" y="4039311"/>
+            <a:ext cx="1656184" cy="914400"/>
+          </a:xfrm>
+          <a:prstGeom prst="roundRect">
+            <a:avLst/>
+          </a:prstGeom>
+        </p:spPr>
+        <p:style>
+          <a:lnRef idx="2">
+            <a:schemeClr val="accent2">
+              <a:shade val="50000"/>
+            </a:schemeClr>
+          </a:lnRef>
+          <a:fillRef idx="1">
+            <a:schemeClr val="accent2"/>
+          </a:fillRef>
+          <a:effectRef idx="0">
+            <a:schemeClr val="accent2"/>
+          </a:effectRef>
+          <a:fontRef idx="minor">
+            <a:schemeClr val="lt1"/>
+          </a:fontRef>
+        </p:style>
+        <p:txBody>
+          <a:bodyPr rtlCol="0" anchor="ctr"/>
+          <a:lstStyle/>
+          <a:p>
+            <a:pPr algn="ctr"/>
+            <a:r>
+              <a:rPr lang="zh-CN" altLang="en-US" sz="2400" b="1" dirty="0" smtClean="0">
+                <a:solidFill>
+                  <a:schemeClr val="tx1">
+                    <a:lumMod val="95000"/>
+                    <a:lumOff val="5000"/>
+                  </a:schemeClr>
+                </a:solidFill>
+              </a:rPr>
+              <a:t>持续优化</a:t>
+            </a:r>
+            <a:endParaRPr lang="zh-CN" altLang="en-US" sz="2000" b="1" dirty="0">
+              <a:solidFill>
+                <a:schemeClr val="tx1">
+                  <a:lumMod val="95000"/>
+                  <a:lumOff val="5000"/>
+                </a:schemeClr>
+              </a:solidFill>
+            </a:endParaRPr>
+          </a:p>
+        </p:txBody>
+      </p:sp>
+      <p:cxnSp>
+        <p:nvCxnSpPr>
+          <p:cNvPr id="9" name="直接箭头连接符 8"/>
+          <p:cNvCxnSpPr>
+            <a:endCxn id="5" idx="1"/>
+          </p:cNvCxnSpPr>
+          <p:nvPr/>
+        </p:nvCxnSpPr>
+        <p:spPr>
+          <a:xfrm>
+            <a:off x="3059832" y="1079188"/>
+            <a:ext cx="1872208" cy="0"/>
+          </a:xfrm>
+          <a:prstGeom prst="straightConnector1">
+            <a:avLst/>
+          </a:prstGeom>
+          <a:ln>
+            <a:tailEnd type="arrow"/>
+          </a:ln>
+        </p:spPr>
+        <p:style>
+          <a:lnRef idx="1">
+            <a:schemeClr val="accent1"/>
+          </a:lnRef>
+          <a:fillRef idx="0">
+            <a:schemeClr val="accent1"/>
+          </a:fillRef>
+          <a:effectRef idx="0">
+            <a:schemeClr val="accent1"/>
+          </a:effectRef>
+          <a:fontRef idx="minor">
+            <a:schemeClr val="tx1"/>
+          </a:fontRef>
+        </p:style>
+      </p:cxnSp>
+      <p:cxnSp>
+        <p:nvCxnSpPr>
+          <p:cNvPr id="11" name="直接箭头连接符 10"/>
+          <p:cNvCxnSpPr>
+            <a:endCxn id="6" idx="0"/>
+          </p:cNvCxnSpPr>
+          <p:nvPr/>
+        </p:nvCxnSpPr>
+        <p:spPr>
+          <a:xfrm>
+            <a:off x="6120172" y="1583244"/>
+            <a:ext cx="0" cy="2487166"/>
+          </a:xfrm>
+          <a:prstGeom prst="straightConnector1">
+            <a:avLst/>
+          </a:prstGeom>
+          <a:ln>
+            <a:tailEnd type="arrow"/>
+          </a:ln>
+        </p:spPr>
+        <p:style>
+          <a:lnRef idx="1">
+            <a:schemeClr val="accent1"/>
+          </a:lnRef>
+          <a:fillRef idx="0">
+            <a:schemeClr val="accent1"/>
+          </a:fillRef>
+          <a:effectRef idx="0">
+            <a:schemeClr val="accent1"/>
+          </a:effectRef>
+          <a:fontRef idx="minor">
+            <a:schemeClr val="tx1"/>
+          </a:fontRef>
+        </p:style>
+      </p:cxnSp>
+      <p:cxnSp>
+        <p:nvCxnSpPr>
+          <p:cNvPr id="13" name="直接箭头连接符 12"/>
+          <p:cNvCxnSpPr>
+            <a:stCxn id="6" idx="1"/>
+            <a:endCxn id="7" idx="3"/>
+          </p:cNvCxnSpPr>
+          <p:nvPr/>
+        </p:nvCxnSpPr>
+        <p:spPr>
+          <a:xfrm flipH="1" flipV="1">
+            <a:off x="3059832" y="4496511"/>
+            <a:ext cx="2232248" cy="31099"/>
+          </a:xfrm>
+          <a:prstGeom prst="straightConnector1">
+            <a:avLst/>
+          </a:prstGeom>
+          <a:ln>
+            <a:tailEnd type="arrow"/>
+          </a:ln>
+        </p:spPr>
+        <p:style>
+          <a:lnRef idx="1">
+            <a:schemeClr val="accent1"/>
+          </a:lnRef>
+          <a:fillRef idx="0">
+            <a:schemeClr val="accent1"/>
+          </a:fillRef>
+          <a:effectRef idx="0">
+            <a:schemeClr val="accent1"/>
+          </a:effectRef>
+          <a:fontRef idx="minor">
+            <a:schemeClr val="tx1"/>
+          </a:fontRef>
+        </p:style>
+      </p:cxnSp>
+      <p:cxnSp>
+        <p:nvCxnSpPr>
+          <p:cNvPr id="15" name="直接箭头连接符 14"/>
+          <p:cNvCxnSpPr>
+            <a:stCxn id="7" idx="0"/>
+          </p:cNvCxnSpPr>
+          <p:nvPr/>
+        </p:nvCxnSpPr>
+        <p:spPr>
+          <a:xfrm flipV="1">
+            <a:off x="2231740" y="1583244"/>
+            <a:ext cx="0" cy="2456067"/>
+          </a:xfrm>
+          <a:prstGeom prst="straightConnector1">
+            <a:avLst/>
+          </a:prstGeom>
+          <a:ln>
+            <a:tailEnd type="arrow"/>
+          </a:ln>
+        </p:spPr>
+        <p:style>
+          <a:lnRef idx="1">
+            <a:schemeClr val="accent1"/>
+          </a:lnRef>
+          <a:fillRef idx="0">
+            <a:schemeClr val="accent1"/>
+          </a:fillRef>
+          <a:effectRef idx="0">
+            <a:schemeClr val="accent1"/>
+          </a:effectRef>
+          <a:fontRef idx="minor">
+            <a:schemeClr val="tx1"/>
+          </a:fontRef>
+        </p:style>
+      </p:cxnSp>
+    </p:spTree>
+    <p:extLst>
+      <p:ext uri="{BB962C8B-B14F-4D97-AF65-F5344CB8AC3E}">
+        <p14:creationId xmlns:p14="http://schemas.microsoft.com/office/powerpoint/2010/main" val="1975253308"/>
+      </p:ext>
+    </p:extLst>
+  </p:cSld>
+  <p:clrMapOvr>
+    <a:masterClrMapping/>
+  </p:clrMapOvr>
 </p:sld>
 </file>
 
